--- a/LTI_WEBAPI/Consume WebApi in MVC.pptx
+++ b/LTI_WEBAPI/Consume WebApi in MVC.pptx
@@ -744,7 +744,7 @@
           <a:p>
             <a:fld id="{D2474CCF-98B4-411A-8810-C31E8C29E19B}" type="datetimeFigureOut">
               <a:rPr lang="en-US" smtClean="0"/>
-              <a:t>7/28/2022</a:t>
+              <a:t>8/24/2022</a:t>
             </a:fld>
             <a:endParaRPr lang="en-US"/>
           </a:p>
@@ -1172,7 +1172,7 @@
           <a:p>
             <a:fld id="{D2474CCF-98B4-411A-8810-C31E8C29E19B}" type="datetimeFigureOut">
               <a:rPr lang="en-US" smtClean="0"/>
-              <a:t>7/28/2022</a:t>
+              <a:t>8/24/2022</a:t>
             </a:fld>
             <a:endParaRPr lang="en-US"/>
           </a:p>
@@ -1380,7 +1380,7 @@
           <a:p>
             <a:fld id="{D2474CCF-98B4-411A-8810-C31E8C29E19B}" type="datetimeFigureOut">
               <a:rPr lang="en-US" smtClean="0"/>
-              <a:t>7/28/2022</a:t>
+              <a:t>8/24/2022</a:t>
             </a:fld>
             <a:endParaRPr lang="en-US"/>
           </a:p>
@@ -2156,7 +2156,7 @@
           <a:p>
             <a:fld id="{D2474CCF-98B4-411A-8810-C31E8C29E19B}" type="datetimeFigureOut">
               <a:rPr lang="en-US" smtClean="0"/>
-              <a:t>7/28/2022</a:t>
+              <a:t>8/24/2022</a:t>
             </a:fld>
             <a:endParaRPr lang="en-US"/>
           </a:p>
@@ -2834,7 +2834,7 @@
           <a:p>
             <a:fld id="{D2474CCF-98B4-411A-8810-C31E8C29E19B}" type="datetimeFigureOut">
               <a:rPr lang="en-US" smtClean="0"/>
-              <a:t>7/28/2022</a:t>
+              <a:t>8/24/2022</a:t>
             </a:fld>
             <a:endParaRPr lang="en-US"/>
           </a:p>
@@ -3525,7 +3525,7 @@
           <a:p>
             <a:fld id="{D2474CCF-98B4-411A-8810-C31E8C29E19B}" type="datetimeFigureOut">
               <a:rPr lang="en-US" smtClean="0"/>
-              <a:t>7/28/2022</a:t>
+              <a:t>8/24/2022</a:t>
             </a:fld>
             <a:endParaRPr lang="en-US"/>
           </a:p>
@@ -4327,7 +4327,7 @@
           <a:p>
             <a:fld id="{D2474CCF-98B4-411A-8810-C31E8C29E19B}" type="datetimeFigureOut">
               <a:rPr lang="en-US" smtClean="0"/>
-              <a:t>7/28/2022</a:t>
+              <a:t>8/24/2022</a:t>
             </a:fld>
             <a:endParaRPr lang="en-US"/>
           </a:p>
@@ -4858,7 +4858,7 @@
           <a:p>
             <a:fld id="{D2474CCF-98B4-411A-8810-C31E8C29E19B}" type="datetimeFigureOut">
               <a:rPr lang="en-US" smtClean="0"/>
-              <a:t>7/28/2022</a:t>
+              <a:t>8/24/2022</a:t>
             </a:fld>
             <a:endParaRPr lang="en-US"/>
           </a:p>
@@ -5361,7 +5361,7 @@
           <a:p>
             <a:fld id="{D2474CCF-98B4-411A-8810-C31E8C29E19B}" type="datetimeFigureOut">
               <a:rPr lang="en-US" smtClean="0"/>
-              <a:t>7/28/2022</a:t>
+              <a:t>8/24/2022</a:t>
             </a:fld>
             <a:endParaRPr lang="en-US"/>
           </a:p>
@@ -5672,7 +5672,7 @@
           <a:p>
             <a:fld id="{D2474CCF-98B4-411A-8810-C31E8C29E19B}" type="datetimeFigureOut">
               <a:rPr lang="en-US" smtClean="0"/>
-              <a:t>7/28/2022</a:t>
+              <a:t>8/24/2022</a:t>
             </a:fld>
             <a:endParaRPr lang="en-US"/>
           </a:p>
@@ -5963,7 +5963,7 @@
           <a:p>
             <a:fld id="{D2474CCF-98B4-411A-8810-C31E8C29E19B}" type="datetimeFigureOut">
               <a:rPr lang="en-US" smtClean="0"/>
-              <a:t>7/28/2022</a:t>
+              <a:t>8/24/2022</a:t>
             </a:fld>
             <a:endParaRPr lang="en-US"/>
           </a:p>
@@ -6204,7 +6204,7 @@
           <a:p>
             <a:fld id="{D2474CCF-98B4-411A-8810-C31E8C29E19B}" type="datetimeFigureOut">
               <a:rPr lang="en-US" smtClean="0"/>
-              <a:t>7/28/2022</a:t>
+              <a:t>8/24/2022</a:t>
             </a:fld>
             <a:endParaRPr lang="en-US"/>
           </a:p>
@@ -6755,10 +6755,10 @@
       </p:grpSpPr>
       <p:sp>
         <p:nvSpPr>
-          <p:cNvPr id="2" name="Title 1">
-            <a:extLst>
-              <a:ext uri="{FF2B5EF4-FFF2-40B4-BE49-F238E27FC236}">
-                <a16:creationId xmlns:a16="http://schemas.microsoft.com/office/drawing/2014/main" id="{45F33AFC-C220-4038-ACF0-E5D4B3B57FD0}"/>
+          <p:cNvPr id="5" name="Title 4">
+            <a:extLst>
+              <a:ext uri="{FF2B5EF4-FFF2-40B4-BE49-F238E27FC236}">
+                <a16:creationId xmlns:a16="http://schemas.microsoft.com/office/drawing/2014/main" id="{D06BA4EC-46D7-2812-08C1-51DAB6BA6FE4}"/>
               </a:ext>
             </a:extLst>
           </p:cNvPr>
@@ -6767,34 +6767,6 @@
           </p:cNvSpPr>
           <p:nvPr>
             <p:ph type="title"/>
-          </p:nvPr>
-        </p:nvSpPr>
-        <p:spPr/>
-        <p:txBody>
-          <a:bodyPr/>
-          <a:lstStyle/>
-          <a:p>
-            <a:r>
-              <a:rPr lang="en-US" dirty="0"/>
-              <a:t>Slides</a:t>
-            </a:r>
-          </a:p>
-        </p:txBody>
-      </p:sp>
-      <p:sp>
-        <p:nvSpPr>
-          <p:cNvPr id="4" name="Content Placeholder 3">
-            <a:extLst>
-              <a:ext uri="{FF2B5EF4-FFF2-40B4-BE49-F238E27FC236}">
-                <a16:creationId xmlns:a16="http://schemas.microsoft.com/office/drawing/2014/main" id="{0146DD26-E59E-4BAA-A74F-05E44312CC29}"/>
-              </a:ext>
-            </a:extLst>
-          </p:cNvPr>
-          <p:cNvSpPr>
-            <a:spLocks noGrp="1"/>
-          </p:cNvSpPr>
-          <p:nvPr>
-            <p:ph idx="1"/>
           </p:nvPr>
         </p:nvSpPr>
         <p:spPr/>
